--- a/ppt 16-9/0592.用我的歌.pptx
+++ b/ppt 16-9/0592.用我的歌.pptx
@@ -5,7 +5,7 @@
     <p:sldMasterId id="2147483648" r:id="rId1"/>
   </p:sldMasterIdLst>
   <p:sldIdLst>
-    <p:sldId id="2365" r:id="rId2"/>
+    <p:sldId id="2366" r:id="rId2"/>
   </p:sldIdLst>
   <p:sldSz cx="12192000" cy="6858000"/>
   <p:notesSz cx="6858000" cy="9144000"/>
@@ -129,7 +129,7 @@
           <p:cNvPr id="2" name="标题 1">
             <a:extLst>
               <a:ext uri="{FF2B5EF4-FFF2-40B4-BE49-F238E27FC236}">
-                <a16:creationId xmlns:a16="http://schemas.microsoft.com/office/drawing/2014/main" id="{8B25AB5A-C75C-8D85-144D-145E568D544F}"/>
+                <a16:creationId xmlns:a16="http://schemas.microsoft.com/office/drawing/2014/main" id="{B9C13368-A106-CCE2-10DD-42848A86D97A}"/>
               </a:ext>
             </a:extLst>
           </p:cNvPr>
@@ -166,7 +166,7 @@
           <p:cNvPr id="3" name="副标题 2">
             <a:extLst>
               <a:ext uri="{FF2B5EF4-FFF2-40B4-BE49-F238E27FC236}">
-                <a16:creationId xmlns:a16="http://schemas.microsoft.com/office/drawing/2014/main" id="{55CACA65-35C9-C6A3-02A2-22EF643649D7}"/>
+                <a16:creationId xmlns:a16="http://schemas.microsoft.com/office/drawing/2014/main" id="{30C0F635-4684-AF6F-0E1B-B429682D11F8}"/>
               </a:ext>
             </a:extLst>
           </p:cNvPr>
@@ -236,7 +236,7 @@
           <p:cNvPr id="4" name="日期占位符 3">
             <a:extLst>
               <a:ext uri="{FF2B5EF4-FFF2-40B4-BE49-F238E27FC236}">
-                <a16:creationId xmlns:a16="http://schemas.microsoft.com/office/drawing/2014/main" id="{A2333256-F7AC-D6E7-ED63-668BB114C08B}"/>
+                <a16:creationId xmlns:a16="http://schemas.microsoft.com/office/drawing/2014/main" id="{4D49CA6E-BFD2-B336-AD5F-3C95081C8A17}"/>
               </a:ext>
             </a:extLst>
           </p:cNvPr>
@@ -252,7 +252,7 @@
           <a:bodyPr/>
           <a:lstStyle/>
           <a:p>
-            <a:fld id="{68D6D8D6-16F9-47F2-A6E8-145CF40D333D}" type="datetimeFigureOut">
+            <a:fld id="{C5361C5D-C6EE-4DB3-B0D5-1D88096CB948}" type="datetimeFigureOut">
               <a:rPr lang="zh-CN" altLang="en-US" smtClean="0"/>
               <a:t>2024/3/10</a:t>
             </a:fld>
@@ -265,7 +265,7 @@
           <p:cNvPr id="5" name="页脚占位符 4">
             <a:extLst>
               <a:ext uri="{FF2B5EF4-FFF2-40B4-BE49-F238E27FC236}">
-                <a16:creationId xmlns:a16="http://schemas.microsoft.com/office/drawing/2014/main" id="{3E7F321F-0BC4-F797-7984-89CADA3ABD62}"/>
+                <a16:creationId xmlns:a16="http://schemas.microsoft.com/office/drawing/2014/main" id="{A69DF90C-3F03-EEBF-9426-B8D60A10BE89}"/>
               </a:ext>
             </a:extLst>
           </p:cNvPr>
@@ -290,7 +290,7 @@
           <p:cNvPr id="6" name="灯片编号占位符 5">
             <a:extLst>
               <a:ext uri="{FF2B5EF4-FFF2-40B4-BE49-F238E27FC236}">
-                <a16:creationId xmlns:a16="http://schemas.microsoft.com/office/drawing/2014/main" id="{B43DEF8B-A383-4B43-A35E-F0AB5228A3A9}"/>
+                <a16:creationId xmlns:a16="http://schemas.microsoft.com/office/drawing/2014/main" id="{E473963C-6D43-BCB8-1334-26E2A5E6F631}"/>
               </a:ext>
             </a:extLst>
           </p:cNvPr>
@@ -306,7 +306,7 @@
           <a:bodyPr/>
           <a:lstStyle/>
           <a:p>
-            <a:fld id="{3BA8858F-6766-4FD1-ABDF-A84495A662C6}" type="slidenum">
+            <a:fld id="{BD4FA061-3B53-4CAF-B60F-223EE5536A63}" type="slidenum">
               <a:rPr lang="zh-CN" altLang="en-US" smtClean="0"/>
               <a:t>‹#›</a:t>
             </a:fld>
@@ -317,7 +317,7 @@
     </p:spTree>
     <p:extLst>
       <p:ext uri="{BB962C8B-B14F-4D97-AF65-F5344CB8AC3E}">
-        <p14:creationId xmlns:p14="http://schemas.microsoft.com/office/powerpoint/2010/main" val="2780063430"/>
+        <p14:creationId xmlns:p14="http://schemas.microsoft.com/office/powerpoint/2010/main" val="780781795"/>
       </p:ext>
     </p:extLst>
   </p:cSld>
@@ -349,7 +349,7 @@
           <p:cNvPr id="2" name="标题 1">
             <a:extLst>
               <a:ext uri="{FF2B5EF4-FFF2-40B4-BE49-F238E27FC236}">
-                <a16:creationId xmlns:a16="http://schemas.microsoft.com/office/drawing/2014/main" id="{C54733EC-15A8-6A4A-BD37-8C148A1C233A}"/>
+                <a16:creationId xmlns:a16="http://schemas.microsoft.com/office/drawing/2014/main" id="{CCBA518E-1841-32C3-7E3B-90A58F9DA9A8}"/>
               </a:ext>
             </a:extLst>
           </p:cNvPr>
@@ -377,7 +377,7 @@
           <p:cNvPr id="3" name="竖排文字占位符 2">
             <a:extLst>
               <a:ext uri="{FF2B5EF4-FFF2-40B4-BE49-F238E27FC236}">
-                <a16:creationId xmlns:a16="http://schemas.microsoft.com/office/drawing/2014/main" id="{65BC5B48-190A-5C64-75C7-9A4FD09032A8}"/>
+                <a16:creationId xmlns:a16="http://schemas.microsoft.com/office/drawing/2014/main" id="{42862D20-F4D0-64EF-DD2F-72ADF8BF81EF}"/>
               </a:ext>
             </a:extLst>
           </p:cNvPr>
@@ -434,7 +434,7 @@
           <p:cNvPr id="4" name="日期占位符 3">
             <a:extLst>
               <a:ext uri="{FF2B5EF4-FFF2-40B4-BE49-F238E27FC236}">
-                <a16:creationId xmlns:a16="http://schemas.microsoft.com/office/drawing/2014/main" id="{9F3E77B5-CDF3-F3B0-0987-F54F76C5D833}"/>
+                <a16:creationId xmlns:a16="http://schemas.microsoft.com/office/drawing/2014/main" id="{9EF00FBF-7F82-973C-4A0B-A7BE356C05BC}"/>
               </a:ext>
             </a:extLst>
           </p:cNvPr>
@@ -450,7 +450,7 @@
           <a:bodyPr/>
           <a:lstStyle/>
           <a:p>
-            <a:fld id="{68D6D8D6-16F9-47F2-A6E8-145CF40D333D}" type="datetimeFigureOut">
+            <a:fld id="{C5361C5D-C6EE-4DB3-B0D5-1D88096CB948}" type="datetimeFigureOut">
               <a:rPr lang="zh-CN" altLang="en-US" smtClean="0"/>
               <a:t>2024/3/10</a:t>
             </a:fld>
@@ -463,7 +463,7 @@
           <p:cNvPr id="5" name="页脚占位符 4">
             <a:extLst>
               <a:ext uri="{FF2B5EF4-FFF2-40B4-BE49-F238E27FC236}">
-                <a16:creationId xmlns:a16="http://schemas.microsoft.com/office/drawing/2014/main" id="{BB93360B-C034-BB4C-5CB6-6742901192BD}"/>
+                <a16:creationId xmlns:a16="http://schemas.microsoft.com/office/drawing/2014/main" id="{D133471F-6F74-029F-39CF-5B08474939FC}"/>
               </a:ext>
             </a:extLst>
           </p:cNvPr>
@@ -488,7 +488,7 @@
           <p:cNvPr id="6" name="灯片编号占位符 5">
             <a:extLst>
               <a:ext uri="{FF2B5EF4-FFF2-40B4-BE49-F238E27FC236}">
-                <a16:creationId xmlns:a16="http://schemas.microsoft.com/office/drawing/2014/main" id="{D06BDFE0-3E97-90A6-1616-A297C764F4F0}"/>
+                <a16:creationId xmlns:a16="http://schemas.microsoft.com/office/drawing/2014/main" id="{92DD6066-4EE8-D0ED-55DD-FC9BF250C0EB}"/>
               </a:ext>
             </a:extLst>
           </p:cNvPr>
@@ -504,7 +504,7 @@
           <a:bodyPr/>
           <a:lstStyle/>
           <a:p>
-            <a:fld id="{3BA8858F-6766-4FD1-ABDF-A84495A662C6}" type="slidenum">
+            <a:fld id="{BD4FA061-3B53-4CAF-B60F-223EE5536A63}" type="slidenum">
               <a:rPr lang="zh-CN" altLang="en-US" smtClean="0"/>
               <a:t>‹#›</a:t>
             </a:fld>
@@ -515,7 +515,7 @@
     </p:spTree>
     <p:extLst>
       <p:ext uri="{BB962C8B-B14F-4D97-AF65-F5344CB8AC3E}">
-        <p14:creationId xmlns:p14="http://schemas.microsoft.com/office/powerpoint/2010/main" val="2647842268"/>
+        <p14:creationId xmlns:p14="http://schemas.microsoft.com/office/powerpoint/2010/main" val="1806811576"/>
       </p:ext>
     </p:extLst>
   </p:cSld>
@@ -547,7 +547,7 @@
           <p:cNvPr id="2" name="竖排标题 1">
             <a:extLst>
               <a:ext uri="{FF2B5EF4-FFF2-40B4-BE49-F238E27FC236}">
-                <a16:creationId xmlns:a16="http://schemas.microsoft.com/office/drawing/2014/main" id="{5243046F-2BB6-5D91-55C2-A26B1218360B}"/>
+                <a16:creationId xmlns:a16="http://schemas.microsoft.com/office/drawing/2014/main" id="{8CE9B311-8048-DB9F-B63B-D2C4D964E740}"/>
               </a:ext>
             </a:extLst>
           </p:cNvPr>
@@ -580,7 +580,7 @@
           <p:cNvPr id="3" name="竖排文字占位符 2">
             <a:extLst>
               <a:ext uri="{FF2B5EF4-FFF2-40B4-BE49-F238E27FC236}">
-                <a16:creationId xmlns:a16="http://schemas.microsoft.com/office/drawing/2014/main" id="{34975CBC-2067-7D19-B92B-6D9F68B992F6}"/>
+                <a16:creationId xmlns:a16="http://schemas.microsoft.com/office/drawing/2014/main" id="{F18B1A97-FC58-54B5-907C-B0AAA2EC7923}"/>
               </a:ext>
             </a:extLst>
           </p:cNvPr>
@@ -642,7 +642,7 @@
           <p:cNvPr id="4" name="日期占位符 3">
             <a:extLst>
               <a:ext uri="{FF2B5EF4-FFF2-40B4-BE49-F238E27FC236}">
-                <a16:creationId xmlns:a16="http://schemas.microsoft.com/office/drawing/2014/main" id="{3E46919D-248F-658E-BD30-65EFCC30C046}"/>
+                <a16:creationId xmlns:a16="http://schemas.microsoft.com/office/drawing/2014/main" id="{3A67E864-C15F-7282-C6F0-79EDF7E68767}"/>
               </a:ext>
             </a:extLst>
           </p:cNvPr>
@@ -658,7 +658,7 @@
           <a:bodyPr/>
           <a:lstStyle/>
           <a:p>
-            <a:fld id="{68D6D8D6-16F9-47F2-A6E8-145CF40D333D}" type="datetimeFigureOut">
+            <a:fld id="{C5361C5D-C6EE-4DB3-B0D5-1D88096CB948}" type="datetimeFigureOut">
               <a:rPr lang="zh-CN" altLang="en-US" smtClean="0"/>
               <a:t>2024/3/10</a:t>
             </a:fld>
@@ -671,7 +671,7 @@
           <p:cNvPr id="5" name="页脚占位符 4">
             <a:extLst>
               <a:ext uri="{FF2B5EF4-FFF2-40B4-BE49-F238E27FC236}">
-                <a16:creationId xmlns:a16="http://schemas.microsoft.com/office/drawing/2014/main" id="{13406D8F-3B19-E55D-18D5-65BCE38F1295}"/>
+                <a16:creationId xmlns:a16="http://schemas.microsoft.com/office/drawing/2014/main" id="{E3DA2E03-CB6D-E59D-0CCC-19E217B82DE7}"/>
               </a:ext>
             </a:extLst>
           </p:cNvPr>
@@ -696,7 +696,7 @@
           <p:cNvPr id="6" name="灯片编号占位符 5">
             <a:extLst>
               <a:ext uri="{FF2B5EF4-FFF2-40B4-BE49-F238E27FC236}">
-                <a16:creationId xmlns:a16="http://schemas.microsoft.com/office/drawing/2014/main" id="{DEAA46B0-1A11-C2E6-DD81-41B8654CA734}"/>
+                <a16:creationId xmlns:a16="http://schemas.microsoft.com/office/drawing/2014/main" id="{2D72E17D-4BEB-A9FF-33A2-FD3202D29C17}"/>
               </a:ext>
             </a:extLst>
           </p:cNvPr>
@@ -712,7 +712,7 @@
           <a:bodyPr/>
           <a:lstStyle/>
           <a:p>
-            <a:fld id="{3BA8858F-6766-4FD1-ABDF-A84495A662C6}" type="slidenum">
+            <a:fld id="{BD4FA061-3B53-4CAF-B60F-223EE5536A63}" type="slidenum">
               <a:rPr lang="zh-CN" altLang="en-US" smtClean="0"/>
               <a:t>‹#›</a:t>
             </a:fld>
@@ -723,7 +723,7 @@
     </p:spTree>
     <p:extLst>
       <p:ext uri="{BB962C8B-B14F-4D97-AF65-F5344CB8AC3E}">
-        <p14:creationId xmlns:p14="http://schemas.microsoft.com/office/powerpoint/2010/main" val="3250042863"/>
+        <p14:creationId xmlns:p14="http://schemas.microsoft.com/office/powerpoint/2010/main" val="2342470753"/>
       </p:ext>
     </p:extLst>
   </p:cSld>
@@ -755,7 +755,7 @@
           <p:cNvPr id="2" name="标题 1">
             <a:extLst>
               <a:ext uri="{FF2B5EF4-FFF2-40B4-BE49-F238E27FC236}">
-                <a16:creationId xmlns:a16="http://schemas.microsoft.com/office/drawing/2014/main" id="{4B90CC20-E02A-98FD-315B-117EC217F3D6}"/>
+                <a16:creationId xmlns:a16="http://schemas.microsoft.com/office/drawing/2014/main" id="{4DE6788E-9781-7A24-C121-51B3F51F605D}"/>
               </a:ext>
             </a:extLst>
           </p:cNvPr>
@@ -783,7 +783,7 @@
           <p:cNvPr id="3" name="内容占位符 2">
             <a:extLst>
               <a:ext uri="{FF2B5EF4-FFF2-40B4-BE49-F238E27FC236}">
-                <a16:creationId xmlns:a16="http://schemas.microsoft.com/office/drawing/2014/main" id="{EDEE0554-1488-7F19-9F5A-883D30F56024}"/>
+                <a16:creationId xmlns:a16="http://schemas.microsoft.com/office/drawing/2014/main" id="{3DC1AE11-728D-D649-5CE3-48D5F2133886}"/>
               </a:ext>
             </a:extLst>
           </p:cNvPr>
@@ -840,7 +840,7 @@
           <p:cNvPr id="4" name="日期占位符 3">
             <a:extLst>
               <a:ext uri="{FF2B5EF4-FFF2-40B4-BE49-F238E27FC236}">
-                <a16:creationId xmlns:a16="http://schemas.microsoft.com/office/drawing/2014/main" id="{52245719-9339-0C10-0A81-F84D001506BA}"/>
+                <a16:creationId xmlns:a16="http://schemas.microsoft.com/office/drawing/2014/main" id="{AE82C372-4E98-AEEB-E617-8B85B78C8194}"/>
               </a:ext>
             </a:extLst>
           </p:cNvPr>
@@ -856,7 +856,7 @@
           <a:bodyPr/>
           <a:lstStyle/>
           <a:p>
-            <a:fld id="{68D6D8D6-16F9-47F2-A6E8-145CF40D333D}" type="datetimeFigureOut">
+            <a:fld id="{C5361C5D-C6EE-4DB3-B0D5-1D88096CB948}" type="datetimeFigureOut">
               <a:rPr lang="zh-CN" altLang="en-US" smtClean="0"/>
               <a:t>2024/3/10</a:t>
             </a:fld>
@@ -869,7 +869,7 @@
           <p:cNvPr id="5" name="页脚占位符 4">
             <a:extLst>
               <a:ext uri="{FF2B5EF4-FFF2-40B4-BE49-F238E27FC236}">
-                <a16:creationId xmlns:a16="http://schemas.microsoft.com/office/drawing/2014/main" id="{5924DECB-B8C3-7193-8D3B-AEA01771BC8A}"/>
+                <a16:creationId xmlns:a16="http://schemas.microsoft.com/office/drawing/2014/main" id="{DABDCBB7-30C4-D361-0717-FAB32AD9A5E7}"/>
               </a:ext>
             </a:extLst>
           </p:cNvPr>
@@ -894,7 +894,7 @@
           <p:cNvPr id="6" name="灯片编号占位符 5">
             <a:extLst>
               <a:ext uri="{FF2B5EF4-FFF2-40B4-BE49-F238E27FC236}">
-                <a16:creationId xmlns:a16="http://schemas.microsoft.com/office/drawing/2014/main" id="{70906AE1-CC9F-5D53-7F71-8C1566B187CC}"/>
+                <a16:creationId xmlns:a16="http://schemas.microsoft.com/office/drawing/2014/main" id="{74CC5A4D-4EB4-5E17-F92E-51AF9DFE299F}"/>
               </a:ext>
             </a:extLst>
           </p:cNvPr>
@@ -910,7 +910,7 @@
           <a:bodyPr/>
           <a:lstStyle/>
           <a:p>
-            <a:fld id="{3BA8858F-6766-4FD1-ABDF-A84495A662C6}" type="slidenum">
+            <a:fld id="{BD4FA061-3B53-4CAF-B60F-223EE5536A63}" type="slidenum">
               <a:rPr lang="zh-CN" altLang="en-US" smtClean="0"/>
               <a:t>‹#›</a:t>
             </a:fld>
@@ -921,7 +921,7 @@
     </p:spTree>
     <p:extLst>
       <p:ext uri="{BB962C8B-B14F-4D97-AF65-F5344CB8AC3E}">
-        <p14:creationId xmlns:p14="http://schemas.microsoft.com/office/powerpoint/2010/main" val="157232501"/>
+        <p14:creationId xmlns:p14="http://schemas.microsoft.com/office/powerpoint/2010/main" val="2684162079"/>
       </p:ext>
     </p:extLst>
   </p:cSld>
@@ -953,7 +953,7 @@
           <p:cNvPr id="2" name="标题 1">
             <a:extLst>
               <a:ext uri="{FF2B5EF4-FFF2-40B4-BE49-F238E27FC236}">
-                <a16:creationId xmlns:a16="http://schemas.microsoft.com/office/drawing/2014/main" id="{8F4E93BD-6984-6203-0FA5-62ACBCCB8953}"/>
+                <a16:creationId xmlns:a16="http://schemas.microsoft.com/office/drawing/2014/main" id="{AD12AE71-AE4B-D85D-A36F-0D6DB064F497}"/>
               </a:ext>
             </a:extLst>
           </p:cNvPr>
@@ -990,7 +990,7 @@
           <p:cNvPr id="3" name="文本占位符 2">
             <a:extLst>
               <a:ext uri="{FF2B5EF4-FFF2-40B4-BE49-F238E27FC236}">
-                <a16:creationId xmlns:a16="http://schemas.microsoft.com/office/drawing/2014/main" id="{19A8B7A8-7272-237F-03FB-B593780ECD68}"/>
+                <a16:creationId xmlns:a16="http://schemas.microsoft.com/office/drawing/2014/main" id="{D4B92305-90C8-0207-0CED-16C48F11D1DE}"/>
               </a:ext>
             </a:extLst>
           </p:cNvPr>
@@ -1115,7 +1115,7 @@
           <p:cNvPr id="4" name="日期占位符 3">
             <a:extLst>
               <a:ext uri="{FF2B5EF4-FFF2-40B4-BE49-F238E27FC236}">
-                <a16:creationId xmlns:a16="http://schemas.microsoft.com/office/drawing/2014/main" id="{C78198D1-122F-8EF0-35B6-4CA4F3116C71}"/>
+                <a16:creationId xmlns:a16="http://schemas.microsoft.com/office/drawing/2014/main" id="{74CF615A-D478-0D7D-D8CA-1B65F60DEFEC}"/>
               </a:ext>
             </a:extLst>
           </p:cNvPr>
@@ -1131,7 +1131,7 @@
           <a:bodyPr/>
           <a:lstStyle/>
           <a:p>
-            <a:fld id="{68D6D8D6-16F9-47F2-A6E8-145CF40D333D}" type="datetimeFigureOut">
+            <a:fld id="{C5361C5D-C6EE-4DB3-B0D5-1D88096CB948}" type="datetimeFigureOut">
               <a:rPr lang="zh-CN" altLang="en-US" smtClean="0"/>
               <a:t>2024/3/10</a:t>
             </a:fld>
@@ -1144,7 +1144,7 @@
           <p:cNvPr id="5" name="页脚占位符 4">
             <a:extLst>
               <a:ext uri="{FF2B5EF4-FFF2-40B4-BE49-F238E27FC236}">
-                <a16:creationId xmlns:a16="http://schemas.microsoft.com/office/drawing/2014/main" id="{318E32EC-F78B-1568-EDBA-762472ABD270}"/>
+                <a16:creationId xmlns:a16="http://schemas.microsoft.com/office/drawing/2014/main" id="{7345E106-8601-D7DD-A94D-810FE4790DEF}"/>
               </a:ext>
             </a:extLst>
           </p:cNvPr>
@@ -1169,7 +1169,7 @@
           <p:cNvPr id="6" name="灯片编号占位符 5">
             <a:extLst>
               <a:ext uri="{FF2B5EF4-FFF2-40B4-BE49-F238E27FC236}">
-                <a16:creationId xmlns:a16="http://schemas.microsoft.com/office/drawing/2014/main" id="{C145CB36-2C4E-858F-230A-0A1643E99936}"/>
+                <a16:creationId xmlns:a16="http://schemas.microsoft.com/office/drawing/2014/main" id="{D374E864-2999-EFAF-F479-1B7A296F385D}"/>
               </a:ext>
             </a:extLst>
           </p:cNvPr>
@@ -1185,7 +1185,7 @@
           <a:bodyPr/>
           <a:lstStyle/>
           <a:p>
-            <a:fld id="{3BA8858F-6766-4FD1-ABDF-A84495A662C6}" type="slidenum">
+            <a:fld id="{BD4FA061-3B53-4CAF-B60F-223EE5536A63}" type="slidenum">
               <a:rPr lang="zh-CN" altLang="en-US" smtClean="0"/>
               <a:t>‹#›</a:t>
             </a:fld>
@@ -1196,7 +1196,7 @@
     </p:spTree>
     <p:extLst>
       <p:ext uri="{BB962C8B-B14F-4D97-AF65-F5344CB8AC3E}">
-        <p14:creationId xmlns:p14="http://schemas.microsoft.com/office/powerpoint/2010/main" val="3062385725"/>
+        <p14:creationId xmlns:p14="http://schemas.microsoft.com/office/powerpoint/2010/main" val="4153150770"/>
       </p:ext>
     </p:extLst>
   </p:cSld>
@@ -1228,7 +1228,7 @@
           <p:cNvPr id="2" name="标题 1">
             <a:extLst>
               <a:ext uri="{FF2B5EF4-FFF2-40B4-BE49-F238E27FC236}">
-                <a16:creationId xmlns:a16="http://schemas.microsoft.com/office/drawing/2014/main" id="{CCFA67B5-1DB3-0E97-0F6B-5C76A07A6ECE}"/>
+                <a16:creationId xmlns:a16="http://schemas.microsoft.com/office/drawing/2014/main" id="{5D7B4705-3240-7202-24E5-B727444BAD1B}"/>
               </a:ext>
             </a:extLst>
           </p:cNvPr>
@@ -1256,7 +1256,7 @@
           <p:cNvPr id="3" name="内容占位符 2">
             <a:extLst>
               <a:ext uri="{FF2B5EF4-FFF2-40B4-BE49-F238E27FC236}">
-                <a16:creationId xmlns:a16="http://schemas.microsoft.com/office/drawing/2014/main" id="{D0DA1862-E6D2-9A46-A7E0-52F8CE35E871}"/>
+                <a16:creationId xmlns:a16="http://schemas.microsoft.com/office/drawing/2014/main" id="{01F7376D-7215-5380-DB2F-1264C954CDE0}"/>
               </a:ext>
             </a:extLst>
           </p:cNvPr>
@@ -1318,7 +1318,7 @@
           <p:cNvPr id="4" name="内容占位符 3">
             <a:extLst>
               <a:ext uri="{FF2B5EF4-FFF2-40B4-BE49-F238E27FC236}">
-                <a16:creationId xmlns:a16="http://schemas.microsoft.com/office/drawing/2014/main" id="{DA4804CC-C555-143F-D079-69CE9C1A807C}"/>
+                <a16:creationId xmlns:a16="http://schemas.microsoft.com/office/drawing/2014/main" id="{09DC1BAC-22F9-140C-8C9D-6F2EEBBF7AC5}"/>
               </a:ext>
             </a:extLst>
           </p:cNvPr>
@@ -1380,7 +1380,7 @@
           <p:cNvPr id="5" name="日期占位符 4">
             <a:extLst>
               <a:ext uri="{FF2B5EF4-FFF2-40B4-BE49-F238E27FC236}">
-                <a16:creationId xmlns:a16="http://schemas.microsoft.com/office/drawing/2014/main" id="{1F879578-A434-761A-3337-D2EEA623C711}"/>
+                <a16:creationId xmlns:a16="http://schemas.microsoft.com/office/drawing/2014/main" id="{B6ED0195-04A7-02BA-A395-AC9BF9C32A73}"/>
               </a:ext>
             </a:extLst>
           </p:cNvPr>
@@ -1396,7 +1396,7 @@
           <a:bodyPr/>
           <a:lstStyle/>
           <a:p>
-            <a:fld id="{68D6D8D6-16F9-47F2-A6E8-145CF40D333D}" type="datetimeFigureOut">
+            <a:fld id="{C5361C5D-C6EE-4DB3-B0D5-1D88096CB948}" type="datetimeFigureOut">
               <a:rPr lang="zh-CN" altLang="en-US" smtClean="0"/>
               <a:t>2024/3/10</a:t>
             </a:fld>
@@ -1409,7 +1409,7 @@
           <p:cNvPr id="6" name="页脚占位符 5">
             <a:extLst>
               <a:ext uri="{FF2B5EF4-FFF2-40B4-BE49-F238E27FC236}">
-                <a16:creationId xmlns:a16="http://schemas.microsoft.com/office/drawing/2014/main" id="{C043FDC4-0A02-AB1E-691E-FA2966F3CE7A}"/>
+                <a16:creationId xmlns:a16="http://schemas.microsoft.com/office/drawing/2014/main" id="{4CED7119-55FB-0CE2-1687-8EDC752F9236}"/>
               </a:ext>
             </a:extLst>
           </p:cNvPr>
@@ -1434,7 +1434,7 @@
           <p:cNvPr id="7" name="灯片编号占位符 6">
             <a:extLst>
               <a:ext uri="{FF2B5EF4-FFF2-40B4-BE49-F238E27FC236}">
-                <a16:creationId xmlns:a16="http://schemas.microsoft.com/office/drawing/2014/main" id="{CD496904-0C99-8BCF-773B-A618B0DECBAD}"/>
+                <a16:creationId xmlns:a16="http://schemas.microsoft.com/office/drawing/2014/main" id="{C446C0B4-B044-6CE7-89F2-3AEF818857D7}"/>
               </a:ext>
             </a:extLst>
           </p:cNvPr>
@@ -1450,7 +1450,7 @@
           <a:bodyPr/>
           <a:lstStyle/>
           <a:p>
-            <a:fld id="{3BA8858F-6766-4FD1-ABDF-A84495A662C6}" type="slidenum">
+            <a:fld id="{BD4FA061-3B53-4CAF-B60F-223EE5536A63}" type="slidenum">
               <a:rPr lang="zh-CN" altLang="en-US" smtClean="0"/>
               <a:t>‹#›</a:t>
             </a:fld>
@@ -1461,7 +1461,7 @@
     </p:spTree>
     <p:extLst>
       <p:ext uri="{BB962C8B-B14F-4D97-AF65-F5344CB8AC3E}">
-        <p14:creationId xmlns:p14="http://schemas.microsoft.com/office/powerpoint/2010/main" val="3583674995"/>
+        <p14:creationId xmlns:p14="http://schemas.microsoft.com/office/powerpoint/2010/main" val="2737269439"/>
       </p:ext>
     </p:extLst>
   </p:cSld>
@@ -1493,7 +1493,7 @@
           <p:cNvPr id="2" name="标题 1">
             <a:extLst>
               <a:ext uri="{FF2B5EF4-FFF2-40B4-BE49-F238E27FC236}">
-                <a16:creationId xmlns:a16="http://schemas.microsoft.com/office/drawing/2014/main" id="{2476F878-BFEB-66B8-6A53-74FCC5A3E514}"/>
+                <a16:creationId xmlns:a16="http://schemas.microsoft.com/office/drawing/2014/main" id="{09323886-C3DA-20AB-1A94-21EFA9C6193B}"/>
               </a:ext>
             </a:extLst>
           </p:cNvPr>
@@ -1526,7 +1526,7 @@
           <p:cNvPr id="3" name="文本占位符 2">
             <a:extLst>
               <a:ext uri="{FF2B5EF4-FFF2-40B4-BE49-F238E27FC236}">
-                <a16:creationId xmlns:a16="http://schemas.microsoft.com/office/drawing/2014/main" id="{00F440D0-D12B-4111-1791-FFC6384A8BED}"/>
+                <a16:creationId xmlns:a16="http://schemas.microsoft.com/office/drawing/2014/main" id="{941482BF-78ED-7002-347D-794FE683CC73}"/>
               </a:ext>
             </a:extLst>
           </p:cNvPr>
@@ -1597,7 +1597,7 @@
           <p:cNvPr id="4" name="内容占位符 3">
             <a:extLst>
               <a:ext uri="{FF2B5EF4-FFF2-40B4-BE49-F238E27FC236}">
-                <a16:creationId xmlns:a16="http://schemas.microsoft.com/office/drawing/2014/main" id="{FC9E0063-3428-21FD-3F78-62097971FA65}"/>
+                <a16:creationId xmlns:a16="http://schemas.microsoft.com/office/drawing/2014/main" id="{4364FEED-26E3-6CA8-55CE-EFD82B80564E}"/>
               </a:ext>
             </a:extLst>
           </p:cNvPr>
@@ -1659,7 +1659,7 @@
           <p:cNvPr id="5" name="文本占位符 4">
             <a:extLst>
               <a:ext uri="{FF2B5EF4-FFF2-40B4-BE49-F238E27FC236}">
-                <a16:creationId xmlns:a16="http://schemas.microsoft.com/office/drawing/2014/main" id="{3D9A3070-A230-874A-4EBE-01ED64F1D4A0}"/>
+                <a16:creationId xmlns:a16="http://schemas.microsoft.com/office/drawing/2014/main" id="{DAE7A369-7129-0536-2086-4BDE2D04AE59}"/>
               </a:ext>
             </a:extLst>
           </p:cNvPr>
@@ -1730,7 +1730,7 @@
           <p:cNvPr id="6" name="内容占位符 5">
             <a:extLst>
               <a:ext uri="{FF2B5EF4-FFF2-40B4-BE49-F238E27FC236}">
-                <a16:creationId xmlns:a16="http://schemas.microsoft.com/office/drawing/2014/main" id="{8AA68067-8908-9AE2-9A53-432C27B5D746}"/>
+                <a16:creationId xmlns:a16="http://schemas.microsoft.com/office/drawing/2014/main" id="{087F72C2-46F9-9A93-52D1-663AF963508A}"/>
               </a:ext>
             </a:extLst>
           </p:cNvPr>
@@ -1792,7 +1792,7 @@
           <p:cNvPr id="7" name="日期占位符 6">
             <a:extLst>
               <a:ext uri="{FF2B5EF4-FFF2-40B4-BE49-F238E27FC236}">
-                <a16:creationId xmlns:a16="http://schemas.microsoft.com/office/drawing/2014/main" id="{88CE4FB5-4EFD-E8D4-8035-70D3495D6918}"/>
+                <a16:creationId xmlns:a16="http://schemas.microsoft.com/office/drawing/2014/main" id="{7953DAA6-4319-0D07-E558-B1C3147788DA}"/>
               </a:ext>
             </a:extLst>
           </p:cNvPr>
@@ -1808,7 +1808,7 @@
           <a:bodyPr/>
           <a:lstStyle/>
           <a:p>
-            <a:fld id="{68D6D8D6-16F9-47F2-A6E8-145CF40D333D}" type="datetimeFigureOut">
+            <a:fld id="{C5361C5D-C6EE-4DB3-B0D5-1D88096CB948}" type="datetimeFigureOut">
               <a:rPr lang="zh-CN" altLang="en-US" smtClean="0"/>
               <a:t>2024/3/10</a:t>
             </a:fld>
@@ -1821,7 +1821,7 @@
           <p:cNvPr id="8" name="页脚占位符 7">
             <a:extLst>
               <a:ext uri="{FF2B5EF4-FFF2-40B4-BE49-F238E27FC236}">
-                <a16:creationId xmlns:a16="http://schemas.microsoft.com/office/drawing/2014/main" id="{33D1B1E2-9F25-09C3-476F-210D6A91AE04}"/>
+                <a16:creationId xmlns:a16="http://schemas.microsoft.com/office/drawing/2014/main" id="{C9267A2E-CA58-A64A-132F-49C2C38DF691}"/>
               </a:ext>
             </a:extLst>
           </p:cNvPr>
@@ -1846,7 +1846,7 @@
           <p:cNvPr id="9" name="灯片编号占位符 8">
             <a:extLst>
               <a:ext uri="{FF2B5EF4-FFF2-40B4-BE49-F238E27FC236}">
-                <a16:creationId xmlns:a16="http://schemas.microsoft.com/office/drawing/2014/main" id="{EBCC8B72-091C-01A0-B0A4-0F237D9E2A9E}"/>
+                <a16:creationId xmlns:a16="http://schemas.microsoft.com/office/drawing/2014/main" id="{8663B24F-252F-BB67-2E0B-2F454C8F40B9}"/>
               </a:ext>
             </a:extLst>
           </p:cNvPr>
@@ -1862,7 +1862,7 @@
           <a:bodyPr/>
           <a:lstStyle/>
           <a:p>
-            <a:fld id="{3BA8858F-6766-4FD1-ABDF-A84495A662C6}" type="slidenum">
+            <a:fld id="{BD4FA061-3B53-4CAF-B60F-223EE5536A63}" type="slidenum">
               <a:rPr lang="zh-CN" altLang="en-US" smtClean="0"/>
               <a:t>‹#›</a:t>
             </a:fld>
@@ -1873,7 +1873,7 @@
     </p:spTree>
     <p:extLst>
       <p:ext uri="{BB962C8B-B14F-4D97-AF65-F5344CB8AC3E}">
-        <p14:creationId xmlns:p14="http://schemas.microsoft.com/office/powerpoint/2010/main" val="2715445813"/>
+        <p14:creationId xmlns:p14="http://schemas.microsoft.com/office/powerpoint/2010/main" val="179258174"/>
       </p:ext>
     </p:extLst>
   </p:cSld>
@@ -1905,7 +1905,7 @@
           <p:cNvPr id="2" name="标题 1">
             <a:extLst>
               <a:ext uri="{FF2B5EF4-FFF2-40B4-BE49-F238E27FC236}">
-                <a16:creationId xmlns:a16="http://schemas.microsoft.com/office/drawing/2014/main" id="{70EC1583-B31B-F75E-4696-2686C3B01A87}"/>
+                <a16:creationId xmlns:a16="http://schemas.microsoft.com/office/drawing/2014/main" id="{2ACA0E9A-D610-D7A3-1158-C7B2FDB27F39}"/>
               </a:ext>
             </a:extLst>
           </p:cNvPr>
@@ -1933,7 +1933,7 @@
           <p:cNvPr id="3" name="日期占位符 2">
             <a:extLst>
               <a:ext uri="{FF2B5EF4-FFF2-40B4-BE49-F238E27FC236}">
-                <a16:creationId xmlns:a16="http://schemas.microsoft.com/office/drawing/2014/main" id="{2BF8FD36-E261-6CE6-5675-0CA1FFB27E9E}"/>
+                <a16:creationId xmlns:a16="http://schemas.microsoft.com/office/drawing/2014/main" id="{A106C4AE-70D0-9A3D-E0F1-4081F6998B31}"/>
               </a:ext>
             </a:extLst>
           </p:cNvPr>
@@ -1949,7 +1949,7 @@
           <a:bodyPr/>
           <a:lstStyle/>
           <a:p>
-            <a:fld id="{68D6D8D6-16F9-47F2-A6E8-145CF40D333D}" type="datetimeFigureOut">
+            <a:fld id="{C5361C5D-C6EE-4DB3-B0D5-1D88096CB948}" type="datetimeFigureOut">
               <a:rPr lang="zh-CN" altLang="en-US" smtClean="0"/>
               <a:t>2024/3/10</a:t>
             </a:fld>
@@ -1962,7 +1962,7 @@
           <p:cNvPr id="4" name="页脚占位符 3">
             <a:extLst>
               <a:ext uri="{FF2B5EF4-FFF2-40B4-BE49-F238E27FC236}">
-                <a16:creationId xmlns:a16="http://schemas.microsoft.com/office/drawing/2014/main" id="{FA196A29-2DCF-9497-66B0-AFD9186BAA11}"/>
+                <a16:creationId xmlns:a16="http://schemas.microsoft.com/office/drawing/2014/main" id="{A5495D62-8C04-52A3-4272-4C034BC806ED}"/>
               </a:ext>
             </a:extLst>
           </p:cNvPr>
@@ -1987,7 +1987,7 @@
           <p:cNvPr id="5" name="灯片编号占位符 4">
             <a:extLst>
               <a:ext uri="{FF2B5EF4-FFF2-40B4-BE49-F238E27FC236}">
-                <a16:creationId xmlns:a16="http://schemas.microsoft.com/office/drawing/2014/main" id="{908F7D22-82EA-B809-3F45-E581A73EA5C7}"/>
+                <a16:creationId xmlns:a16="http://schemas.microsoft.com/office/drawing/2014/main" id="{091A9810-62BC-A581-E1E4-1B908FD7B0FE}"/>
               </a:ext>
             </a:extLst>
           </p:cNvPr>
@@ -2003,7 +2003,7 @@
           <a:bodyPr/>
           <a:lstStyle/>
           <a:p>
-            <a:fld id="{3BA8858F-6766-4FD1-ABDF-A84495A662C6}" type="slidenum">
+            <a:fld id="{BD4FA061-3B53-4CAF-B60F-223EE5536A63}" type="slidenum">
               <a:rPr lang="zh-CN" altLang="en-US" smtClean="0"/>
               <a:t>‹#›</a:t>
             </a:fld>
@@ -2014,7 +2014,7 @@
     </p:spTree>
     <p:extLst>
       <p:ext uri="{BB962C8B-B14F-4D97-AF65-F5344CB8AC3E}">
-        <p14:creationId xmlns:p14="http://schemas.microsoft.com/office/powerpoint/2010/main" val="4013545251"/>
+        <p14:creationId xmlns:p14="http://schemas.microsoft.com/office/powerpoint/2010/main" val="3538770732"/>
       </p:ext>
     </p:extLst>
   </p:cSld>
@@ -2046,7 +2046,7 @@
           <p:cNvPr id="2" name="日期占位符 1">
             <a:extLst>
               <a:ext uri="{FF2B5EF4-FFF2-40B4-BE49-F238E27FC236}">
-                <a16:creationId xmlns:a16="http://schemas.microsoft.com/office/drawing/2014/main" id="{5786A2C0-6F98-D787-0127-879E115DC5AE}"/>
+                <a16:creationId xmlns:a16="http://schemas.microsoft.com/office/drawing/2014/main" id="{E0B9BB6B-4BD4-A7BB-1A21-AEEC5194E46A}"/>
               </a:ext>
             </a:extLst>
           </p:cNvPr>
@@ -2062,7 +2062,7 @@
           <a:bodyPr/>
           <a:lstStyle/>
           <a:p>
-            <a:fld id="{68D6D8D6-16F9-47F2-A6E8-145CF40D333D}" type="datetimeFigureOut">
+            <a:fld id="{C5361C5D-C6EE-4DB3-B0D5-1D88096CB948}" type="datetimeFigureOut">
               <a:rPr lang="zh-CN" altLang="en-US" smtClean="0"/>
               <a:t>2024/3/10</a:t>
             </a:fld>
@@ -2075,7 +2075,7 @@
           <p:cNvPr id="3" name="页脚占位符 2">
             <a:extLst>
               <a:ext uri="{FF2B5EF4-FFF2-40B4-BE49-F238E27FC236}">
-                <a16:creationId xmlns:a16="http://schemas.microsoft.com/office/drawing/2014/main" id="{C1363C6F-5039-A93D-C0CA-1286EA30D2D1}"/>
+                <a16:creationId xmlns:a16="http://schemas.microsoft.com/office/drawing/2014/main" id="{6F469A5E-1551-AA5F-CED8-F6DF7FD787BD}"/>
               </a:ext>
             </a:extLst>
           </p:cNvPr>
@@ -2100,7 +2100,7 @@
           <p:cNvPr id="4" name="灯片编号占位符 3">
             <a:extLst>
               <a:ext uri="{FF2B5EF4-FFF2-40B4-BE49-F238E27FC236}">
-                <a16:creationId xmlns:a16="http://schemas.microsoft.com/office/drawing/2014/main" id="{CEB10622-CE5D-B11E-B43B-590C331CB144}"/>
+                <a16:creationId xmlns:a16="http://schemas.microsoft.com/office/drawing/2014/main" id="{2526E521-E512-FCA1-4777-B7A5A77486AA}"/>
               </a:ext>
             </a:extLst>
           </p:cNvPr>
@@ -2116,7 +2116,7 @@
           <a:bodyPr/>
           <a:lstStyle/>
           <a:p>
-            <a:fld id="{3BA8858F-6766-4FD1-ABDF-A84495A662C6}" type="slidenum">
+            <a:fld id="{BD4FA061-3B53-4CAF-B60F-223EE5536A63}" type="slidenum">
               <a:rPr lang="zh-CN" altLang="en-US" smtClean="0"/>
               <a:t>‹#›</a:t>
             </a:fld>
@@ -2127,7 +2127,7 @@
     </p:spTree>
     <p:extLst>
       <p:ext uri="{BB962C8B-B14F-4D97-AF65-F5344CB8AC3E}">
-        <p14:creationId xmlns:p14="http://schemas.microsoft.com/office/powerpoint/2010/main" val="2765184178"/>
+        <p14:creationId xmlns:p14="http://schemas.microsoft.com/office/powerpoint/2010/main" val="3165764975"/>
       </p:ext>
     </p:extLst>
   </p:cSld>
@@ -2159,7 +2159,7 @@
           <p:cNvPr id="2" name="标题 1">
             <a:extLst>
               <a:ext uri="{FF2B5EF4-FFF2-40B4-BE49-F238E27FC236}">
-                <a16:creationId xmlns:a16="http://schemas.microsoft.com/office/drawing/2014/main" id="{15A09BB2-A75C-E438-AA44-7326FE82A341}"/>
+                <a16:creationId xmlns:a16="http://schemas.microsoft.com/office/drawing/2014/main" id="{8F18FBC4-B50B-E132-8D05-B6F4BA9C30C4}"/>
               </a:ext>
             </a:extLst>
           </p:cNvPr>
@@ -2196,7 +2196,7 @@
           <p:cNvPr id="3" name="内容占位符 2">
             <a:extLst>
               <a:ext uri="{FF2B5EF4-FFF2-40B4-BE49-F238E27FC236}">
-                <a16:creationId xmlns:a16="http://schemas.microsoft.com/office/drawing/2014/main" id="{A645DAF6-06BF-E6C3-8F15-96B8C7B0EBF3}"/>
+                <a16:creationId xmlns:a16="http://schemas.microsoft.com/office/drawing/2014/main" id="{43A84E07-530E-405C-7106-E685B35BF19B}"/>
               </a:ext>
             </a:extLst>
           </p:cNvPr>
@@ -2286,7 +2286,7 @@
           <p:cNvPr id="4" name="文本占位符 3">
             <a:extLst>
               <a:ext uri="{FF2B5EF4-FFF2-40B4-BE49-F238E27FC236}">
-                <a16:creationId xmlns:a16="http://schemas.microsoft.com/office/drawing/2014/main" id="{15C5CFFF-7D43-936C-EF0F-982DD2DB2B44}"/>
+                <a16:creationId xmlns:a16="http://schemas.microsoft.com/office/drawing/2014/main" id="{35CF2B78-7D37-11B3-5F57-5E915C52154D}"/>
               </a:ext>
             </a:extLst>
           </p:cNvPr>
@@ -2357,7 +2357,7 @@
           <p:cNvPr id="5" name="日期占位符 4">
             <a:extLst>
               <a:ext uri="{FF2B5EF4-FFF2-40B4-BE49-F238E27FC236}">
-                <a16:creationId xmlns:a16="http://schemas.microsoft.com/office/drawing/2014/main" id="{E267D15A-5449-3E7D-412F-8591B2A43FF4}"/>
+                <a16:creationId xmlns:a16="http://schemas.microsoft.com/office/drawing/2014/main" id="{FC91DD55-E590-D175-607D-2E78208E20C9}"/>
               </a:ext>
             </a:extLst>
           </p:cNvPr>
@@ -2373,7 +2373,7 @@
           <a:bodyPr/>
           <a:lstStyle/>
           <a:p>
-            <a:fld id="{68D6D8D6-16F9-47F2-A6E8-145CF40D333D}" type="datetimeFigureOut">
+            <a:fld id="{C5361C5D-C6EE-4DB3-B0D5-1D88096CB948}" type="datetimeFigureOut">
               <a:rPr lang="zh-CN" altLang="en-US" smtClean="0"/>
               <a:t>2024/3/10</a:t>
             </a:fld>
@@ -2386,7 +2386,7 @@
           <p:cNvPr id="6" name="页脚占位符 5">
             <a:extLst>
               <a:ext uri="{FF2B5EF4-FFF2-40B4-BE49-F238E27FC236}">
-                <a16:creationId xmlns:a16="http://schemas.microsoft.com/office/drawing/2014/main" id="{1F0CB305-A5CE-6427-D385-7D0D31323995}"/>
+                <a16:creationId xmlns:a16="http://schemas.microsoft.com/office/drawing/2014/main" id="{AF61B511-1A74-8100-FBE9-05CC67EAC63D}"/>
               </a:ext>
             </a:extLst>
           </p:cNvPr>
@@ -2411,7 +2411,7 @@
           <p:cNvPr id="7" name="灯片编号占位符 6">
             <a:extLst>
               <a:ext uri="{FF2B5EF4-FFF2-40B4-BE49-F238E27FC236}">
-                <a16:creationId xmlns:a16="http://schemas.microsoft.com/office/drawing/2014/main" id="{8C79A076-29F3-6134-C210-2A551B889404}"/>
+                <a16:creationId xmlns:a16="http://schemas.microsoft.com/office/drawing/2014/main" id="{2703A6B1-D225-9443-9F76-DE21D9A23858}"/>
               </a:ext>
             </a:extLst>
           </p:cNvPr>
@@ -2427,7 +2427,7 @@
           <a:bodyPr/>
           <a:lstStyle/>
           <a:p>
-            <a:fld id="{3BA8858F-6766-4FD1-ABDF-A84495A662C6}" type="slidenum">
+            <a:fld id="{BD4FA061-3B53-4CAF-B60F-223EE5536A63}" type="slidenum">
               <a:rPr lang="zh-CN" altLang="en-US" smtClean="0"/>
               <a:t>‹#›</a:t>
             </a:fld>
@@ -2438,7 +2438,7 @@
     </p:spTree>
     <p:extLst>
       <p:ext uri="{BB962C8B-B14F-4D97-AF65-F5344CB8AC3E}">
-        <p14:creationId xmlns:p14="http://schemas.microsoft.com/office/powerpoint/2010/main" val="2999204387"/>
+        <p14:creationId xmlns:p14="http://schemas.microsoft.com/office/powerpoint/2010/main" val="3798121211"/>
       </p:ext>
     </p:extLst>
   </p:cSld>
@@ -2470,7 +2470,7 @@
           <p:cNvPr id="2" name="标题 1">
             <a:extLst>
               <a:ext uri="{FF2B5EF4-FFF2-40B4-BE49-F238E27FC236}">
-                <a16:creationId xmlns:a16="http://schemas.microsoft.com/office/drawing/2014/main" id="{6834DB7F-2B0A-DC9D-EBDA-F066C0D754D2}"/>
+                <a16:creationId xmlns:a16="http://schemas.microsoft.com/office/drawing/2014/main" id="{18136AAF-FD25-9A6C-1259-6FBEED713183}"/>
               </a:ext>
             </a:extLst>
           </p:cNvPr>
@@ -2507,7 +2507,7 @@
           <p:cNvPr id="3" name="图片占位符 2">
             <a:extLst>
               <a:ext uri="{FF2B5EF4-FFF2-40B4-BE49-F238E27FC236}">
-                <a16:creationId xmlns:a16="http://schemas.microsoft.com/office/drawing/2014/main" id="{BAE6E26D-D1D3-D398-733B-6AB807E0EA9F}"/>
+                <a16:creationId xmlns:a16="http://schemas.microsoft.com/office/drawing/2014/main" id="{AA53A30E-63CC-F997-7BE9-49BC81A3D6E7}"/>
               </a:ext>
             </a:extLst>
           </p:cNvPr>
@@ -2574,7 +2574,7 @@
           <p:cNvPr id="4" name="文本占位符 3">
             <a:extLst>
               <a:ext uri="{FF2B5EF4-FFF2-40B4-BE49-F238E27FC236}">
-                <a16:creationId xmlns:a16="http://schemas.microsoft.com/office/drawing/2014/main" id="{9CAE1791-5A30-100B-0B81-9B931FC1C7C3}"/>
+                <a16:creationId xmlns:a16="http://schemas.microsoft.com/office/drawing/2014/main" id="{9698C452-F6EC-2E8D-8593-5D527D8CCF21}"/>
               </a:ext>
             </a:extLst>
           </p:cNvPr>
@@ -2645,7 +2645,7 @@
           <p:cNvPr id="5" name="日期占位符 4">
             <a:extLst>
               <a:ext uri="{FF2B5EF4-FFF2-40B4-BE49-F238E27FC236}">
-                <a16:creationId xmlns:a16="http://schemas.microsoft.com/office/drawing/2014/main" id="{3E3A7DB1-570B-0C57-9730-80F5D417DC0C}"/>
+                <a16:creationId xmlns:a16="http://schemas.microsoft.com/office/drawing/2014/main" id="{178F290D-5B81-64EE-5687-5093BF4782A1}"/>
               </a:ext>
             </a:extLst>
           </p:cNvPr>
@@ -2661,7 +2661,7 @@
           <a:bodyPr/>
           <a:lstStyle/>
           <a:p>
-            <a:fld id="{68D6D8D6-16F9-47F2-A6E8-145CF40D333D}" type="datetimeFigureOut">
+            <a:fld id="{C5361C5D-C6EE-4DB3-B0D5-1D88096CB948}" type="datetimeFigureOut">
               <a:rPr lang="zh-CN" altLang="en-US" smtClean="0"/>
               <a:t>2024/3/10</a:t>
             </a:fld>
@@ -2674,7 +2674,7 @@
           <p:cNvPr id="6" name="页脚占位符 5">
             <a:extLst>
               <a:ext uri="{FF2B5EF4-FFF2-40B4-BE49-F238E27FC236}">
-                <a16:creationId xmlns:a16="http://schemas.microsoft.com/office/drawing/2014/main" id="{6437D75A-502D-7C6E-E399-4A45D3A53CC1}"/>
+                <a16:creationId xmlns:a16="http://schemas.microsoft.com/office/drawing/2014/main" id="{83621AF8-CAD1-2890-FF3D-CF75EA7853F5}"/>
               </a:ext>
             </a:extLst>
           </p:cNvPr>
@@ -2699,7 +2699,7 @@
           <p:cNvPr id="7" name="灯片编号占位符 6">
             <a:extLst>
               <a:ext uri="{FF2B5EF4-FFF2-40B4-BE49-F238E27FC236}">
-                <a16:creationId xmlns:a16="http://schemas.microsoft.com/office/drawing/2014/main" id="{DD479462-55A4-3EFE-EA18-645FAFE599E4}"/>
+                <a16:creationId xmlns:a16="http://schemas.microsoft.com/office/drawing/2014/main" id="{78613AC8-528B-85D8-703F-306CCB890FCC}"/>
               </a:ext>
             </a:extLst>
           </p:cNvPr>
@@ -2715,7 +2715,7 @@
           <a:bodyPr/>
           <a:lstStyle/>
           <a:p>
-            <a:fld id="{3BA8858F-6766-4FD1-ABDF-A84495A662C6}" type="slidenum">
+            <a:fld id="{BD4FA061-3B53-4CAF-B60F-223EE5536A63}" type="slidenum">
               <a:rPr lang="zh-CN" altLang="en-US" smtClean="0"/>
               <a:t>‹#›</a:t>
             </a:fld>
@@ -2726,7 +2726,7 @@
     </p:spTree>
     <p:extLst>
       <p:ext uri="{BB962C8B-B14F-4D97-AF65-F5344CB8AC3E}">
-        <p14:creationId xmlns:p14="http://schemas.microsoft.com/office/powerpoint/2010/main" val="1148937935"/>
+        <p14:creationId xmlns:p14="http://schemas.microsoft.com/office/powerpoint/2010/main" val="1494068964"/>
       </p:ext>
     </p:extLst>
   </p:cSld>
@@ -2763,7 +2763,7 @@
           <p:cNvPr id="2" name="标题占位符 1">
             <a:extLst>
               <a:ext uri="{FF2B5EF4-FFF2-40B4-BE49-F238E27FC236}">
-                <a16:creationId xmlns:a16="http://schemas.microsoft.com/office/drawing/2014/main" id="{FAF3D2FB-EB7C-CE9D-CC54-A69A2F67E81E}"/>
+                <a16:creationId xmlns:a16="http://schemas.microsoft.com/office/drawing/2014/main" id="{94AEE52F-1D98-82A2-1247-BBA676B1B9E3}"/>
               </a:ext>
             </a:extLst>
           </p:cNvPr>
@@ -2801,7 +2801,7 @@
           <p:cNvPr id="3" name="文本占位符 2">
             <a:extLst>
               <a:ext uri="{FF2B5EF4-FFF2-40B4-BE49-F238E27FC236}">
-                <a16:creationId xmlns:a16="http://schemas.microsoft.com/office/drawing/2014/main" id="{28BA5F0C-47DF-943F-F095-620128007D55}"/>
+                <a16:creationId xmlns:a16="http://schemas.microsoft.com/office/drawing/2014/main" id="{D4999C16-E44F-A805-6C8C-A6EF14AF44B8}"/>
               </a:ext>
             </a:extLst>
           </p:cNvPr>
@@ -2868,7 +2868,7 @@
           <p:cNvPr id="4" name="日期占位符 3">
             <a:extLst>
               <a:ext uri="{FF2B5EF4-FFF2-40B4-BE49-F238E27FC236}">
-                <a16:creationId xmlns:a16="http://schemas.microsoft.com/office/drawing/2014/main" id="{A80E086F-7E6D-9802-D474-BB38D5989861}"/>
+                <a16:creationId xmlns:a16="http://schemas.microsoft.com/office/drawing/2014/main" id="{1027D784-D170-FB5C-A6A9-1D13611A7989}"/>
               </a:ext>
             </a:extLst>
           </p:cNvPr>
@@ -2902,7 +2902,7 @@
             </a:lvl1pPr>
           </a:lstStyle>
           <a:p>
-            <a:fld id="{68D6D8D6-16F9-47F2-A6E8-145CF40D333D}" type="datetimeFigureOut">
+            <a:fld id="{C5361C5D-C6EE-4DB3-B0D5-1D88096CB948}" type="datetimeFigureOut">
               <a:rPr lang="zh-CN" altLang="en-US" smtClean="0"/>
               <a:t>2024/3/10</a:t>
             </a:fld>
@@ -2915,7 +2915,7 @@
           <p:cNvPr id="5" name="页脚占位符 4">
             <a:extLst>
               <a:ext uri="{FF2B5EF4-FFF2-40B4-BE49-F238E27FC236}">
-                <a16:creationId xmlns:a16="http://schemas.microsoft.com/office/drawing/2014/main" id="{5E13C5B9-8F00-B218-BA6F-8665F2D1CBEB}"/>
+                <a16:creationId xmlns:a16="http://schemas.microsoft.com/office/drawing/2014/main" id="{01D2D6A1-D5F8-43AD-CACA-A489C1C7501B}"/>
               </a:ext>
             </a:extLst>
           </p:cNvPr>
@@ -2958,7 +2958,7 @@
           <p:cNvPr id="6" name="灯片编号占位符 5">
             <a:extLst>
               <a:ext uri="{FF2B5EF4-FFF2-40B4-BE49-F238E27FC236}">
-                <a16:creationId xmlns:a16="http://schemas.microsoft.com/office/drawing/2014/main" id="{F4A9B152-502D-8532-2113-B397B4A9C514}"/>
+                <a16:creationId xmlns:a16="http://schemas.microsoft.com/office/drawing/2014/main" id="{61492DC4-F2A7-9172-0BA9-385D5DED2E1A}"/>
               </a:ext>
             </a:extLst>
           </p:cNvPr>
@@ -2992,7 +2992,7 @@
             </a:lvl1pPr>
           </a:lstStyle>
           <a:p>
-            <a:fld id="{3BA8858F-6766-4FD1-ABDF-A84495A662C6}" type="slidenum">
+            <a:fld id="{BD4FA061-3B53-4CAF-B60F-223EE5536A63}" type="slidenum">
               <a:rPr lang="zh-CN" altLang="en-US" smtClean="0"/>
               <a:t>‹#›</a:t>
             </a:fld>
@@ -3003,7 +3003,7 @@
     </p:spTree>
     <p:extLst>
       <p:ext uri="{BB962C8B-B14F-4D97-AF65-F5344CB8AC3E}">
-        <p14:creationId xmlns:p14="http://schemas.microsoft.com/office/powerpoint/2010/main" val="2045882853"/>
+        <p14:creationId xmlns:p14="http://schemas.microsoft.com/office/powerpoint/2010/main" val="2179776328"/>
       </p:ext>
     </p:extLst>
   </p:cSld>
@@ -3323,7 +3323,7 @@
       </p:grpSpPr>
       <p:pic>
         <p:nvPicPr>
-          <p:cNvPr id="606210" name="Picture 2" descr="591"/>
+          <p:cNvPr id="607234" name="Picture 2" descr="592"/>
           <p:cNvPicPr>
             <a:picLocks noChangeAspect="1" noChangeArrowheads="1"/>
           </p:cNvPicPr>
@@ -3345,7 +3345,7 @@
         <p:spPr bwMode="auto">
           <a:xfrm>
             <a:off x="1524000" y="0"/>
-            <a:ext cx="9144000" cy="6858000"/>
+            <a:ext cx="9144000" cy="6859588"/>
           </a:xfrm>
           <a:prstGeom prst="rect">
             <a:avLst/>
@@ -3375,11 +3375,158 @@
           </a:extLst>
         </p:spPr>
       </p:pic>
+      <p:pic>
+        <p:nvPicPr>
+          <p:cNvPr id="608259" name="Picture 3" descr="592-2"/>
+          <p:cNvPicPr>
+            <a:picLocks noChangeAspect="1" noChangeArrowheads="1"/>
+          </p:cNvPicPr>
+          <p:nvPr/>
+        </p:nvPicPr>
+        <p:blipFill>
+          <a:blip r:embed="rId3">
+            <a:extLst>
+              <a:ext uri="{28A0092B-C50C-407E-A947-70E740481C1C}">
+                <a14:useLocalDpi xmlns:a14="http://schemas.microsoft.com/office/drawing/2010/main" val="0"/>
+              </a:ext>
+            </a:extLst>
+          </a:blip>
+          <a:srcRect/>
+          <a:stretch>
+            <a:fillRect/>
+          </a:stretch>
+        </p:blipFill>
+        <p:spPr bwMode="auto">
+          <a:xfrm>
+            <a:off x="1524000" y="0"/>
+            <a:ext cx="9144000" cy="6858000"/>
+          </a:xfrm>
+          <a:prstGeom prst="rect">
+            <a:avLst/>
+          </a:prstGeom>
+          <a:noFill/>
+          <a:ln>
+            <a:noFill/>
+          </a:ln>
+          <a:effectLst/>
+          <a:extLst>
+            <a:ext uri="{909E8E84-426E-40DD-AFC4-6F175D3DCCD1}">
+              <a14:hiddenFill xmlns:a14="http://schemas.microsoft.com/office/drawing/2010/main">
+                <a:solidFill>
+                  <a:srgbClr val="FFFFFF"/>
+                </a:solidFill>
+              </a14:hiddenFill>
+            </a:ext>
+            <a:ext uri="{91240B29-F687-4F45-9708-019B960494DF}">
+              <a14:hiddenLine xmlns:a14="http://schemas.microsoft.com/office/drawing/2010/main" w="9525">
+                <a:solidFill>
+                  <a:srgbClr val="000000"/>
+                </a:solidFill>
+                <a:miter lim="800000"/>
+                <a:headEnd/>
+                <a:tailEnd/>
+              </a14:hiddenLine>
+            </a:ext>
+            <a:ext uri="{AF507438-7753-43E0-B8FC-AC1667EBCBE1}">
+              <a14:hiddenEffects xmlns:a14="http://schemas.microsoft.com/office/drawing/2010/main">
+                <a:effectLst>
+                  <a:outerShdw dist="35921" dir="2700000" algn="ctr" rotWithShape="0">
+                    <a:srgbClr val="808080"/>
+                  </a:outerShdw>
+                </a:effectLst>
+              </a14:hiddenEffects>
+            </a:ext>
+          </a:extLst>
+        </p:spPr>
+      </p:pic>
     </p:spTree>
   </p:cSld>
   <p:clrMapOvr>
     <a:masterClrMapping/>
   </p:clrMapOvr>
+  <p:timing>
+    <p:tnLst>
+      <p:par>
+        <p:cTn id="1" dur="indefinite" restart="never" nodeType="tmRoot">
+          <p:childTnLst>
+            <p:seq concurrent="1" nextAc="seek">
+              <p:cTn id="2" dur="indefinite" nodeType="mainSeq">
+                <p:childTnLst>
+                  <p:par>
+                    <p:cTn id="3" fill="hold" nodeType="clickPar">
+                      <p:stCondLst>
+                        <p:cond delay="indefinite"/>
+                      </p:stCondLst>
+                      <p:childTnLst>
+                        <p:par>
+                          <p:cTn id="4" fill="hold" nodeType="withGroup">
+                            <p:stCondLst>
+                              <p:cond delay="0"/>
+                            </p:stCondLst>
+                            <p:childTnLst>
+                              <p:par>
+                                <p:cTn id="5" presetID="10" presetClass="entr" presetSubtype="0" fill="hold" nodeType="clickEffect">
+                                  <p:stCondLst>
+                                    <p:cond delay="0"/>
+                                  </p:stCondLst>
+                                  <p:childTnLst>
+                                    <p:set>
+                                      <p:cBhvr>
+                                        <p:cTn id="6" dur="1" fill="hold">
+                                          <p:stCondLst>
+                                            <p:cond delay="0"/>
+                                          </p:stCondLst>
+                                        </p:cTn>
+                                        <p:tgtEl>
+                                          <p:spTgt spid="608259"/>
+                                        </p:tgtEl>
+                                        <p:attrNameLst>
+                                          <p:attrName>style.visibility</p:attrName>
+                                        </p:attrNameLst>
+                                      </p:cBhvr>
+                                      <p:to>
+                                        <p:strVal val="visible"/>
+                                      </p:to>
+                                    </p:set>
+                                    <p:animEffect transition="in" filter="fade">
+                                      <p:cBhvr>
+                                        <p:cTn id="7" dur="500"/>
+                                        <p:tgtEl>
+                                          <p:spTgt spid="608259"/>
+                                        </p:tgtEl>
+                                      </p:cBhvr>
+                                    </p:animEffect>
+                                  </p:childTnLst>
+                                </p:cTn>
+                              </p:par>
+                            </p:childTnLst>
+                          </p:cTn>
+                        </p:par>
+                      </p:childTnLst>
+                    </p:cTn>
+                  </p:par>
+                </p:childTnLst>
+              </p:cTn>
+              <p:prevCondLst>
+                <p:cond evt="onPrev" delay="0">
+                  <p:tgtEl>
+                    <p:sldTgt/>
+                  </p:tgtEl>
+                </p:cond>
+              </p:prevCondLst>
+              <p:nextCondLst>
+                <p:cond evt="onNext" delay="0">
+                  <p:tgtEl>
+                    <p:sldTgt/>
+                  </p:tgtEl>
+                </p:cond>
+              </p:nextCondLst>
+            </p:seq>
+          </p:childTnLst>
+        </p:cTn>
+      </p:par>
+    </p:tnLst>
+  </p:timing>
 </p:sld>
 </file>
 
